--- a/Tech_PPT/Jaykumar_Technology.pptx
+++ b/Tech_PPT/Jaykumar_Technology.pptx
@@ -5,7 +5,7 @@
     <p:sldMasterId id="2147483648" r:id="rId1"/>
   </p:sldMasterIdLst>
   <p:notesMasterIdLst>
-    <p:notesMasterId r:id="rId11"/>
+    <p:notesMasterId r:id="rId12"/>
   </p:notesMasterIdLst>
   <p:sldIdLst>
     <p:sldId id="256" r:id="rId2"/>
@@ -16,7 +16,8 @@
     <p:sldId id="258" r:id="rId7"/>
     <p:sldId id="263" r:id="rId8"/>
     <p:sldId id="264" r:id="rId9"/>
-    <p:sldId id="265" r:id="rId10"/>
+    <p:sldId id="266" r:id="rId10"/>
+    <p:sldId id="265" r:id="rId11"/>
   </p:sldIdLst>
   <p:sldSz cx="9144000" cy="5143500" type="screen16x9"/>
   <p:notesSz cx="6858000" cy="9144000"/>
@@ -216,7 +217,7 @@
           <a:p>
             <a:fld id="{C8D18E60-4300-4729-A0D7-6AB984C3922D}" type="datetimeFigureOut">
               <a:rPr lang="en-US" smtClean="0"/>
-              <a:t>19-Apr-24</a:t>
+              <a:t>20-Apr-24</a:t>
             </a:fld>
             <a:endParaRPr lang="en-US"/>
           </a:p>
@@ -702,7 +703,7 @@
             <a:fld id="{53074F12-AA26-4AC8-9962-C36BB8F32554}" type="datetimeFigureOut">
               <a:rPr lang="en-US" smtClean="0"/>
               <a:pPr/>
-              <a:t>19-Apr-24</a:t>
+              <a:t>20-Apr-24</a:t>
             </a:fld>
             <a:endParaRPr lang="en-US"/>
           </a:p>
@@ -956,7 +957,7 @@
             <a:fld id="{53074F12-AA26-4AC8-9962-C36BB8F32554}" type="datetimeFigureOut">
               <a:rPr lang="en-US" smtClean="0"/>
               <a:pPr/>
-              <a:t>19-Apr-24</a:t>
+              <a:t>20-Apr-24</a:t>
             </a:fld>
             <a:endParaRPr lang="en-US"/>
           </a:p>
@@ -1126,7 +1127,7 @@
             <a:fld id="{53074F12-AA26-4AC8-9962-C36BB8F32554}" type="datetimeFigureOut">
               <a:rPr lang="en-US" smtClean="0"/>
               <a:pPr/>
-              <a:t>19-Apr-24</a:t>
+              <a:t>20-Apr-24</a:t>
             </a:fld>
             <a:endParaRPr lang="en-US"/>
           </a:p>
@@ -1306,7 +1307,7 @@
             <a:fld id="{53074F12-AA26-4AC8-9962-C36BB8F32554}" type="datetimeFigureOut">
               <a:rPr lang="en-US" smtClean="0"/>
               <a:pPr/>
-              <a:t>19-Apr-24</a:t>
+              <a:t>20-Apr-24</a:t>
             </a:fld>
             <a:endParaRPr lang="en-US"/>
           </a:p>
@@ -1588,7 +1589,7 @@
             <a:fld id="{53074F12-AA26-4AC8-9962-C36BB8F32554}" type="datetimeFigureOut">
               <a:rPr lang="en-US" smtClean="0"/>
               <a:pPr/>
-              <a:t>19-Apr-24</a:t>
+              <a:t>20-Apr-24</a:t>
             </a:fld>
             <a:endParaRPr lang="en-US"/>
           </a:p>
@@ -1835,7 +1836,7 @@
             <a:fld id="{53074F12-AA26-4AC8-9962-C36BB8F32554}" type="datetimeFigureOut">
               <a:rPr lang="en-US" smtClean="0"/>
               <a:pPr/>
-              <a:t>19-Apr-24</a:t>
+              <a:t>20-Apr-24</a:t>
             </a:fld>
             <a:endParaRPr lang="en-US"/>
           </a:p>
@@ -2082,7 +2083,7 @@
             <a:fld id="{53074F12-AA26-4AC8-9962-C36BB8F32554}" type="datetimeFigureOut">
               <a:rPr lang="en-US" smtClean="0"/>
               <a:pPr/>
-              <a:t>19-Apr-24</a:t>
+              <a:t>20-Apr-24</a:t>
             </a:fld>
             <a:endParaRPr lang="en-US"/>
           </a:p>
@@ -2369,7 +2370,7 @@
             <a:fld id="{53074F12-AA26-4AC8-9962-C36BB8F32554}" type="datetimeFigureOut">
               <a:rPr lang="en-US" smtClean="0"/>
               <a:pPr/>
-              <a:t>19-Apr-24</a:t>
+              <a:t>20-Apr-24</a:t>
             </a:fld>
             <a:endParaRPr lang="en-US"/>
           </a:p>
@@ -2856,7 +2857,7 @@
             <a:fld id="{53074F12-AA26-4AC8-9962-C36BB8F32554}" type="datetimeFigureOut">
               <a:rPr lang="en-US" smtClean="0"/>
               <a:pPr/>
-              <a:t>19-Apr-24</a:t>
+              <a:t>20-Apr-24</a:t>
             </a:fld>
             <a:endParaRPr lang="en-US"/>
           </a:p>
@@ -2975,7 +2976,7 @@
             <a:fld id="{53074F12-AA26-4AC8-9962-C36BB8F32554}" type="datetimeFigureOut">
               <a:rPr lang="en-US" smtClean="0"/>
               <a:pPr/>
-              <a:t>19-Apr-24</a:t>
+              <a:t>20-Apr-24</a:t>
             </a:fld>
             <a:endParaRPr lang="en-US"/>
           </a:p>
@@ -3072,7 +3073,7 @@
             <a:fld id="{53074F12-AA26-4AC8-9962-C36BB8F32554}" type="datetimeFigureOut">
               <a:rPr lang="en-US" smtClean="0"/>
               <a:pPr/>
-              <a:t>19-Apr-24</a:t>
+              <a:t>20-Apr-24</a:t>
             </a:fld>
             <a:endParaRPr lang="en-US"/>
           </a:p>
@@ -3349,7 +3350,7 @@
             <a:fld id="{53074F12-AA26-4AC8-9962-C36BB8F32554}" type="datetimeFigureOut">
               <a:rPr lang="en-US" smtClean="0"/>
               <a:pPr/>
-              <a:t>19-Apr-24</a:t>
+              <a:t>20-Apr-24</a:t>
             </a:fld>
             <a:endParaRPr lang="en-US"/>
           </a:p>
@@ -3571,7 +3572,7 @@
             <a:fld id="{53074F12-AA26-4AC8-9962-C36BB8F32554}" type="datetimeFigureOut">
               <a:rPr lang="en-US" smtClean="0"/>
               <a:pPr/>
-              <a:t>19-Apr-24</a:t>
+              <a:t>20-Apr-24</a:t>
             </a:fld>
             <a:endParaRPr lang="en-US"/>
           </a:p>
@@ -4402,6 +4403,97 @@
 </p:sld>
 </file>
 
+<file path=ppt/slides/slide10.xml><?xml version="1.0" encoding="utf-8"?>
+<p:sld xmlns:a="http://schemas.openxmlformats.org/drawingml/2006/main" xmlns:r="http://schemas.openxmlformats.org/officeDocument/2006/relationships" xmlns:p="http://schemas.openxmlformats.org/presentationml/2006/main">
+  <p:cSld>
+    <p:spTree>
+      <p:nvGrpSpPr>
+        <p:cNvPr id="1" name=""/>
+        <p:cNvGrpSpPr/>
+        <p:nvPr/>
+      </p:nvGrpSpPr>
+      <p:grpSpPr>
+        <a:xfrm>
+          <a:off x="0" y="0"/>
+          <a:ext cx="0" cy="0"/>
+          <a:chOff x="0" y="0"/>
+          <a:chExt cx="0" cy="0"/>
+        </a:xfrm>
+      </p:grpSpPr>
+      <p:pic>
+        <p:nvPicPr>
+          <p:cNvPr id="12" name="Picture 11">
+            <a:extLst>
+              <a:ext uri="{FF2B5EF4-FFF2-40B4-BE49-F238E27FC236}">
+                <a16:creationId xmlns:a16="http://schemas.microsoft.com/office/drawing/2014/main" id="{6E227041-6E64-E6F8-2A76-05B0A84C643F}"/>
+              </a:ext>
+            </a:extLst>
+          </p:cNvPr>
+          <p:cNvPicPr>
+            <a:picLocks noChangeAspect="1"/>
+          </p:cNvPicPr>
+          <p:nvPr/>
+        </p:nvPicPr>
+        <p:blipFill>
+          <a:blip r:embed="rId2">
+            <a:extLst>
+              <a:ext uri="{28A0092B-C50C-407E-A947-70E740481C1C}">
+                <a14:useLocalDpi xmlns:a14="http://schemas.microsoft.com/office/drawing/2010/main" val="0"/>
+              </a:ext>
+            </a:extLst>
+          </a:blip>
+          <a:stretch>
+            <a:fillRect/>
+          </a:stretch>
+        </p:blipFill>
+        <p:spPr>
+          <a:xfrm>
+            <a:off x="3503065" y="1533905"/>
+            <a:ext cx="3684350" cy="2075690"/>
+          </a:xfrm>
+          <a:prstGeom prst="roundRect">
+            <a:avLst>
+              <a:gd name="adj" fmla="val 8594"/>
+            </a:avLst>
+          </a:prstGeom>
+          <a:solidFill>
+            <a:srgbClr val="FFFFFF">
+              <a:shade val="85000"/>
+            </a:srgbClr>
+          </a:solidFill>
+          <a:ln>
+            <a:noFill/>
+          </a:ln>
+          <a:effectLst>
+            <a:reflection blurRad="12700" stA="38000" endPos="28000" dist="5000" dir="5400000" sy="-100000" algn="bl" rotWithShape="0"/>
+          </a:effectLst>
+        </p:spPr>
+      </p:pic>
+    </p:spTree>
+    <p:extLst>
+      <p:ext uri="{BB962C8B-B14F-4D97-AF65-F5344CB8AC3E}">
+        <p14:creationId xmlns:p14="http://schemas.microsoft.com/office/powerpoint/2010/main" val="4218333425"/>
+      </p:ext>
+    </p:extLst>
+  </p:cSld>
+  <p:clrMapOvr>
+    <a:masterClrMapping/>
+  </p:clrMapOvr>
+  <mc:AlternateContent xmlns:mc="http://schemas.openxmlformats.org/markup-compatibility/2006" xmlns:p14="http://schemas.microsoft.com/office/powerpoint/2010/main">
+    <mc:Choice Requires="p14">
+      <p:transition spd="med" p14:dur="700">
+        <p:fade/>
+      </p:transition>
+    </mc:Choice>
+    <mc:Fallback xmlns="">
+      <p:transition spd="med">
+        <p:fade/>
+      </p:transition>
+    </mc:Fallback>
+  </mc:AlternateContent>
+</p:sld>
+</file>
+
 <file path=ppt/slides/slide2.xml><?xml version="1.0" encoding="utf-8"?>
 <p:sld xmlns:a="http://schemas.openxmlformats.org/drawingml/2006/main" xmlns:r="http://schemas.openxmlformats.org/officeDocument/2006/relationships" xmlns:p="http://schemas.openxmlformats.org/presentationml/2006/main">
   <p:cSld>
@@ -4528,13 +4620,13 @@
   <p:clrMapOvr>
     <a:masterClrMapping/>
   </p:clrMapOvr>
-  <mc:AlternateContent xmlns:mc="http://schemas.openxmlformats.org/markup-compatibility/2006">
-    <mc:Choice xmlns:p14="http://schemas.microsoft.com/office/powerpoint/2010/main" Requires="p14">
+  <mc:AlternateContent xmlns:mc="http://schemas.openxmlformats.org/markup-compatibility/2006" xmlns:p14="http://schemas.microsoft.com/office/powerpoint/2010/main">
+    <mc:Choice Requires="p14">
       <p:transition spd="med" p14:dur="700">
         <p:fade/>
       </p:transition>
     </mc:Choice>
-    <mc:Fallback>
+    <mc:Fallback xmlns="">
       <p:transition spd="med">
         <p:fade/>
       </p:transition>
@@ -5122,13 +5214,13 @@
   <p:clrMapOvr>
     <a:masterClrMapping/>
   </p:clrMapOvr>
-  <mc:AlternateContent xmlns:mc="http://schemas.openxmlformats.org/markup-compatibility/2006">
-    <mc:Choice xmlns:p15="http://schemas.microsoft.com/office/powerpoint/2012/main" Requires="p15">
+  <mc:AlternateContent xmlns:mc="http://schemas.openxmlformats.org/markup-compatibility/2006" xmlns:p15="http://schemas.microsoft.com/office/powerpoint/2012/main">
+    <mc:Choice Requires="p15">
       <p:transition xmlns:p14="http://schemas.microsoft.com/office/powerpoint/2010/main" spd="slow" p14:dur="2000">
         <p15:prstTrans prst="fracture"/>
       </p:transition>
     </mc:Choice>
-    <mc:Fallback>
+    <mc:Fallback xmlns="">
       <p:transition spd="slow">
         <p:fade/>
       </p:transition>
@@ -5369,13 +5461,13 @@
   <p:clrMapOvr>
     <a:masterClrMapping/>
   </p:clrMapOvr>
-  <mc:AlternateContent xmlns:mc="http://schemas.openxmlformats.org/markup-compatibility/2006">
-    <mc:Choice xmlns:p14="http://schemas.microsoft.com/office/powerpoint/2010/main" Requires="p14">
+  <mc:AlternateContent xmlns:mc="http://schemas.openxmlformats.org/markup-compatibility/2006" xmlns:p14="http://schemas.microsoft.com/office/powerpoint/2010/main">
+    <mc:Choice Requires="p14">
       <p:transition spd="slow" p14:dur="800">
         <p:circle/>
       </p:transition>
     </mc:Choice>
-    <mc:Fallback>
+    <mc:Fallback xmlns="">
       <p:transition spd="slow">
         <p:circle/>
       </p:transition>
@@ -5589,13 +5681,13 @@
   <p:clrMapOvr>
     <a:masterClrMapping/>
   </p:clrMapOvr>
-  <mc:AlternateContent xmlns:mc="http://schemas.openxmlformats.org/markup-compatibility/2006">
-    <mc:Choice xmlns:p14="http://schemas.microsoft.com/office/powerpoint/2010/main" Requires="p14">
+  <mc:AlternateContent xmlns:mc="http://schemas.openxmlformats.org/markup-compatibility/2006" xmlns:p14="http://schemas.microsoft.com/office/powerpoint/2010/main">
+    <mc:Choice Requires="p14">
       <p:transition spd="slow" p14:dur="1400">
         <p14:ripple/>
       </p:transition>
     </mc:Choice>
-    <mc:Fallback>
+    <mc:Fallback xmlns="">
       <p:transition spd="slow">
         <p:fade/>
       </p:transition>
@@ -5621,12 +5713,89 @@
           <a:chExt cx="0" cy="0"/>
         </a:xfrm>
       </p:grpSpPr>
+      <p:sp>
+        <p:nvSpPr>
+          <p:cNvPr id="4" name="Title 3"/>
+          <p:cNvSpPr>
+            <a:spLocks noGrp="1"/>
+          </p:cNvSpPr>
+          <p:nvPr>
+            <p:ph type="title"/>
+          </p:nvPr>
+        </p:nvSpPr>
+        <p:spPr/>
+        <p:txBody>
+          <a:bodyPr>
+            <a:normAutofit/>
+          </a:bodyPr>
+          <a:lstStyle/>
+          <a:p>
+            <a:r>
+              <a:rPr lang="en-US" dirty="0"/>
+              <a:t>Some of my work..</a:t>
+            </a:r>
+          </a:p>
+        </p:txBody>
+      </p:sp>
+      <p:sp>
+        <p:nvSpPr>
+          <p:cNvPr id="5" name="Content Placeholder 4"/>
+          <p:cNvSpPr>
+            <a:spLocks noGrp="1"/>
+          </p:cNvSpPr>
+          <p:nvPr>
+            <p:ph idx="1"/>
+          </p:nvPr>
+        </p:nvSpPr>
+        <p:spPr>
+          <a:xfrm>
+            <a:off x="2582566" y="1044700"/>
+            <a:ext cx="6104234" cy="3436007"/>
+          </a:xfrm>
+        </p:spPr>
+        <p:txBody>
+          <a:bodyPr/>
+          <a:lstStyle/>
+          <a:p>
+            <a:pPr algn="just"/>
+            <a:r>
+              <a:rPr lang="en-US" dirty="0"/>
+              <a:t>Zudio clone</a:t>
+            </a:r>
+          </a:p>
+          <a:p>
+            <a:pPr algn="just"/>
+            <a:r>
+              <a:rPr lang="en-US" dirty="0"/>
+              <a:t>Dmart clone</a:t>
+            </a:r>
+          </a:p>
+          <a:p>
+            <a:pPr algn="just"/>
+            <a:r>
+              <a:rPr lang="en-US" dirty="0"/>
+              <a:t>Tops home page clone</a:t>
+            </a:r>
+          </a:p>
+          <a:p>
+            <a:pPr algn="just"/>
+            <a:r>
+              <a:rPr lang="en-US" dirty="0"/>
+              <a:t>Appointment booking system for clinic</a:t>
+            </a:r>
+          </a:p>
+          <a:p>
+            <a:pPr algn="just"/>
+            <a:endParaRPr lang="en-US" dirty="0"/>
+          </a:p>
+        </p:txBody>
+      </p:sp>
       <p:pic>
         <p:nvPicPr>
-          <p:cNvPr id="12" name="Picture 11">
+          <p:cNvPr id="16" name="Picture 15">
             <a:extLst>
               <a:ext uri="{FF2B5EF4-FFF2-40B4-BE49-F238E27FC236}">
-                <a16:creationId xmlns:a16="http://schemas.microsoft.com/office/drawing/2014/main" id="{6E227041-6E64-E6F8-2A76-05B0A84C643F}"/>
+                <a16:creationId xmlns:a16="http://schemas.microsoft.com/office/drawing/2014/main" id="{110541CA-47AF-C460-489B-E65641FD81C2}"/>
               </a:ext>
             </a:extLst>
           </p:cNvPr>
@@ -5636,7 +5805,7 @@
           <p:nvPr/>
         </p:nvPicPr>
         <p:blipFill>
-          <a:blip r:embed="rId2">
+          <a:blip r:embed="rId2" cstate="print">
             <a:extLst>
               <a:ext uri="{28A0092B-C50C-407E-A947-70E740481C1C}">
                 <a14:useLocalDpi xmlns:a14="http://schemas.microsoft.com/office/drawing/2010/main" val="0"/>
@@ -5649,45 +5818,140 @@
         </p:blipFill>
         <p:spPr>
           <a:xfrm>
-            <a:off x="3503065" y="1533905"/>
-            <a:ext cx="3684350" cy="2075690"/>
+            <a:off x="3595059" y="3606015"/>
+            <a:ext cx="2514314" cy="1327530"/>
           </a:xfrm>
-          <a:prstGeom prst="roundRect">
-            <a:avLst>
-              <a:gd name="adj" fmla="val 8594"/>
-            </a:avLst>
+          <a:prstGeom prst="rect">
+            <a:avLst/>
           </a:prstGeom>
-          <a:solidFill>
-            <a:srgbClr val="FFFFFF">
-              <a:shade val="85000"/>
-            </a:srgbClr>
-          </a:solidFill>
-          <a:ln>
-            <a:noFill/>
-          </a:ln>
-          <a:effectLst>
-            <a:reflection blurRad="12700" stA="38000" endPos="28000" dist="5000" dir="5400000" sy="-100000" algn="bl" rotWithShape="0"/>
-          </a:effectLst>
+        </p:spPr>
+      </p:pic>
+      <p:pic>
+        <p:nvPicPr>
+          <p:cNvPr id="18" name="Picture 17">
+            <a:extLst>
+              <a:ext uri="{FF2B5EF4-FFF2-40B4-BE49-F238E27FC236}">
+                <a16:creationId xmlns:a16="http://schemas.microsoft.com/office/drawing/2014/main" id="{7C462387-6FD9-41C5-F8FC-9DA0B10B82A7}"/>
+              </a:ext>
+            </a:extLst>
+          </p:cNvPr>
+          <p:cNvPicPr>
+            <a:picLocks noChangeAspect="1"/>
+          </p:cNvPicPr>
+          <p:nvPr/>
+        </p:nvPicPr>
+        <p:blipFill>
+          <a:blip r:embed="rId3" cstate="print">
+            <a:extLst>
+              <a:ext uri="{28A0092B-C50C-407E-A947-70E740481C1C}">
+                <a14:useLocalDpi xmlns:a14="http://schemas.microsoft.com/office/drawing/2010/main" val="0"/>
+              </a:ext>
+            </a:extLst>
+          </a:blip>
+          <a:stretch>
+            <a:fillRect/>
+          </a:stretch>
+        </p:blipFill>
+        <p:spPr>
+          <a:xfrm>
+            <a:off x="6557165" y="1094725"/>
+            <a:ext cx="2187290" cy="1456110"/>
+          </a:xfrm>
+          <a:prstGeom prst="rect">
+            <a:avLst/>
+          </a:prstGeom>
+        </p:spPr>
+      </p:pic>
+      <p:pic>
+        <p:nvPicPr>
+          <p:cNvPr id="20" name="Picture 19">
+            <a:extLst>
+              <a:ext uri="{FF2B5EF4-FFF2-40B4-BE49-F238E27FC236}">
+                <a16:creationId xmlns:a16="http://schemas.microsoft.com/office/drawing/2014/main" id="{0C46A118-F935-5238-512A-BBF40F71A00D}"/>
+              </a:ext>
+            </a:extLst>
+          </p:cNvPr>
+          <p:cNvPicPr>
+            <a:picLocks noChangeAspect="1"/>
+          </p:cNvPicPr>
+          <p:nvPr/>
+        </p:nvPicPr>
+        <p:blipFill>
+          <a:blip r:embed="rId4" cstate="print">
+            <a:extLst>
+              <a:ext uri="{28A0092B-C50C-407E-A947-70E740481C1C}">
+                <a14:useLocalDpi xmlns:a14="http://schemas.microsoft.com/office/drawing/2010/main" val="0"/>
+              </a:ext>
+            </a:extLst>
+          </a:blip>
+          <a:stretch>
+            <a:fillRect/>
+          </a:stretch>
+        </p:blipFill>
+        <p:spPr>
+          <a:xfrm>
+            <a:off x="6557165" y="3606013"/>
+            <a:ext cx="2187290" cy="1327530"/>
+          </a:xfrm>
+          <a:prstGeom prst="rect">
+            <a:avLst/>
+          </a:prstGeom>
+        </p:spPr>
+      </p:pic>
+      <p:pic>
+        <p:nvPicPr>
+          <p:cNvPr id="22" name="Picture 21">
+            <a:extLst>
+              <a:ext uri="{FF2B5EF4-FFF2-40B4-BE49-F238E27FC236}">
+                <a16:creationId xmlns:a16="http://schemas.microsoft.com/office/drawing/2014/main" id="{69AB677C-E6A3-92AD-2BA1-C652C4EDBFFC}"/>
+              </a:ext>
+            </a:extLst>
+          </p:cNvPr>
+          <p:cNvPicPr>
+            <a:picLocks noChangeAspect="1"/>
+          </p:cNvPicPr>
+          <p:nvPr/>
+        </p:nvPicPr>
+        <p:blipFill>
+          <a:blip r:embed="rId5" cstate="print">
+            <a:extLst>
+              <a:ext uri="{28A0092B-C50C-407E-A947-70E740481C1C}">
+                <a14:useLocalDpi xmlns:a14="http://schemas.microsoft.com/office/drawing/2010/main" val="0"/>
+              </a:ext>
+            </a:extLst>
+          </a:blip>
+          <a:stretch>
+            <a:fillRect/>
+          </a:stretch>
+        </p:blipFill>
+        <p:spPr>
+          <a:xfrm>
+            <a:off x="442224" y="3606014"/>
+            <a:ext cx="2705044" cy="1327531"/>
+          </a:xfrm>
+          <a:prstGeom prst="rect">
+            <a:avLst/>
+          </a:prstGeom>
         </p:spPr>
       </p:pic>
     </p:spTree>
     <p:extLst>
       <p:ext uri="{BB962C8B-B14F-4D97-AF65-F5344CB8AC3E}">
-        <p14:creationId xmlns:p14="http://schemas.microsoft.com/office/powerpoint/2010/main" val="4218333425"/>
+        <p14:creationId xmlns:p14="http://schemas.microsoft.com/office/powerpoint/2010/main" val="1014266263"/>
       </p:ext>
     </p:extLst>
   </p:cSld>
   <p:clrMapOvr>
     <a:masterClrMapping/>
   </p:clrMapOvr>
-  <mc:AlternateContent xmlns:mc="http://schemas.openxmlformats.org/markup-compatibility/2006">
-    <mc:Choice xmlns:p14="http://schemas.microsoft.com/office/powerpoint/2010/main" Requires="p14">
-      <p:transition spd="med" p14:dur="700">
-        <p:fade/>
+  <mc:AlternateContent xmlns:mc="http://schemas.openxmlformats.org/markup-compatibility/2006" xmlns:p14="http://schemas.microsoft.com/office/powerpoint/2010/main">
+    <mc:Choice Requires="p14">
+      <p:transition spd="slow" p14:dur="1400">
+        <p14:ripple/>
       </p:transition>
     </mc:Choice>
-    <mc:Fallback>
-      <p:transition spd="med">
+    <mc:Fallback xmlns="">
+      <p:transition spd="slow">
         <p:fade/>
       </p:transition>
     </mc:Fallback>
